--- a/presentations/Revising the NSPA.pptx
+++ b/presentations/Revising the NSPA.pptx
@@ -116,6 +116,11 @@
       </a:defRPr>
     </a:lvl9pPr>
   </p:defaultTextStyle>
+  <p:extLst>
+    <p:ext uri="{EFAFB233-063F-42B5-8137-9DF3F51BA10A}">
+      <p15:sldGuideLst xmlns:p15="http://schemas.microsoft.com/office/powerpoint/2012/main"/>
+    </p:ext>
+  </p:extLst>
 </p:presentation>
 </file>
 
@@ -7764,7 +7769,7 @@
         </p:spPr>
         <p:txBody>
           <a:bodyPr>
-            <a:normAutofit fontScale="85000" lnSpcReduction="20000"/>
+            <a:normAutofit fontScale="77500" lnSpcReduction="20000"/>
           </a:bodyPr>
           <a:lstStyle/>
           <a:p>
@@ -7876,6 +7881,16 @@
                 </a:solidFill>
               </a:rPr>
               <a:t>Santa Fe Conservation Trust</a:t>
+            </a:r>
+          </a:p>
+          <a:p>
+            <a:r>
+              <a:rPr lang="en-US" sz="2800" dirty="0">
+                <a:solidFill>
+                  <a:schemeClr val="bg1"/>
+                </a:solidFill>
+              </a:rPr>
+              <a:t>Apache Point Observatory / NMSU</a:t>
             </a:r>
           </a:p>
           <a:p>
@@ -7973,7 +7988,7 @@
                   <a:schemeClr val="bg1"/>
                 </a:solidFill>
               </a:rPr>
-              <a:t>State Land Office</a:t>
+              <a:t>NM State Land Office</a:t>
             </a:r>
           </a:p>
           <a:p>
@@ -8010,12 +8025,20 @@
               <a:buChar char="•"/>
             </a:pPr>
             <a:r>
+              <a:rPr lang="en-US" sz="2400" dirty="0" err="1">
+                <a:solidFill>
+                  <a:schemeClr val="bg1"/>
+                </a:solidFill>
+              </a:rPr>
+              <a:t>Bandalier</a:t>
+            </a:r>
+            <a:r>
               <a:rPr lang="en-US" sz="2400" dirty="0">
                 <a:solidFill>
                   <a:schemeClr val="bg1"/>
                 </a:solidFill>
               </a:rPr>
-              <a:t>New Mexico Oil and Gas Association</a:t>
+              <a:t> National Monument</a:t>
             </a:r>
           </a:p>
           <a:p>
@@ -8029,33 +8052,25 @@
                   <a:schemeClr val="bg1"/>
                 </a:solidFill>
               </a:rPr>
-              <a:t>Starfire Optical Range</a:t>
-            </a:r>
-          </a:p>
-          <a:p>
-            <a:pPr marL="285750" indent="-285750">
+              <a:t>New Mexico Oil and Gas Association</a:t>
+            </a:r>
+          </a:p>
+          <a:p>
+            <a:pPr marL="342900" indent="-342900">
               <a:buFont typeface="Arial" panose="020B0604020202020204" pitchFamily="34" charset="0"/>
               <a:buChar char="•"/>
             </a:pPr>
             <a:r>
-              <a:rPr lang="en-US" sz="2400" dirty="0" err="1">
-                <a:solidFill>
-                  <a:schemeClr val="bg1"/>
-                </a:solidFill>
-              </a:rPr>
-              <a:t>Bandalier</a:t>
-            </a:r>
-            <a:r>
               <a:rPr lang="en-US" sz="2400" dirty="0">
                 <a:solidFill>
                   <a:schemeClr val="bg1"/>
                 </a:solidFill>
               </a:rPr>
-              <a:t> National Monument</a:t>
-            </a:r>
-          </a:p>
-          <a:p>
-            <a:pPr marL="285750" indent="-285750">
+              <a:t>Starfire Optical Range</a:t>
+            </a:r>
+          </a:p>
+          <a:p>
+            <a:pPr marL="342900" indent="-342900">
               <a:buFont typeface="Arial" panose="020B0604020202020204" pitchFamily="34" charset="0"/>
               <a:buChar char="•"/>
             </a:pPr>
@@ -8069,7 +8084,7 @@
             </a:r>
           </a:p>
           <a:p>
-            <a:pPr marL="285750" indent="-285750">
+            <a:pPr marL="342900" indent="-342900">
               <a:buFont typeface="Arial" panose="020B0604020202020204" pitchFamily="34" charset="0"/>
               <a:buChar char="•"/>
             </a:pPr>
@@ -8083,7 +8098,7 @@
             </a:r>
           </a:p>
           <a:p>
-            <a:pPr marL="285750" indent="-285750">
+            <a:pPr marL="342900" indent="-342900">
               <a:buFont typeface="Arial" panose="020B0604020202020204" pitchFamily="34" charset="0"/>
               <a:buChar char="•"/>
             </a:pPr>
@@ -8097,7 +8112,7 @@
             </a:r>
           </a:p>
           <a:p>
-            <a:pPr marL="285750" indent="-285750">
+            <a:pPr marL="342900" indent="-342900">
               <a:buFont typeface="Arial" panose="020B0604020202020204" pitchFamily="34" charset="0"/>
               <a:buChar char="•"/>
             </a:pPr>
@@ -8890,28 +8905,214 @@
           </a:p>
         </p:txBody>
       </p:sp>
-      <p:sp>
-        <p:nvSpPr>
-          <p:cNvPr id="3" name="Content Placeholder 2">
-            <a:extLst>
-              <a:ext uri="{FF2B5EF4-FFF2-40B4-BE49-F238E27FC236}">
-                <a16:creationId xmlns:a16="http://schemas.microsoft.com/office/drawing/2014/main" id="{0E0F01B5-5516-DA8A-A5B2-1543850CF787}"/>
-              </a:ext>
-            </a:extLst>
-          </p:cNvPr>
-          <p:cNvSpPr>
-            <a:spLocks noGrp="1"/>
-          </p:cNvSpPr>
+      <p:pic>
+        <p:nvPicPr>
+          <p:cNvPr id="5" name="Content Placeholder 4" descr="A factory with lights at night&#10;&#10;Description automatically generated with medium confidence">
+            <a:extLst>
+              <a:ext uri="{FF2B5EF4-FFF2-40B4-BE49-F238E27FC236}">
+                <a16:creationId xmlns:a16="http://schemas.microsoft.com/office/drawing/2014/main" id="{32962B0E-023A-9227-ABD4-EE804EC43FA1}"/>
+              </a:ext>
+            </a:extLst>
+          </p:cNvPr>
+          <p:cNvPicPr>
+            <a:picLocks noGrp="1" noChangeAspect="1"/>
+          </p:cNvPicPr>
           <p:nvPr>
             <p:ph idx="1"/>
           </p:nvPr>
-        </p:nvSpPr>
-        <p:spPr/>
-        <p:txBody>
-          <a:bodyPr/>
-          <a:lstStyle/>
-          <a:p>
-            <a:endParaRPr lang="en-US" dirty="0"/>
+        </p:nvPicPr>
+        <p:blipFill>
+          <a:blip r:embed="rId3"/>
+          <a:stretch>
+            <a:fillRect/>
+          </a:stretch>
+        </p:blipFill>
+        <p:spPr>
+          <a:xfrm>
+            <a:off x="502428" y="2463454"/>
+            <a:ext cx="6329296" cy="3036443"/>
+          </a:xfrm>
+        </p:spPr>
+      </p:pic>
+      <p:sp>
+        <p:nvSpPr>
+          <p:cNvPr id="6" name="TextBox 5">
+            <a:extLst>
+              <a:ext uri="{FF2B5EF4-FFF2-40B4-BE49-F238E27FC236}">
+                <a16:creationId xmlns:a16="http://schemas.microsoft.com/office/drawing/2014/main" id="{6D24D236-74EF-67B3-BFF9-2C06E5CEB2BB}"/>
+              </a:ext>
+            </a:extLst>
+          </p:cNvPr>
+          <p:cNvSpPr txBox="1"/>
+          <p:nvPr/>
+        </p:nvSpPr>
+        <p:spPr>
+          <a:xfrm>
+            <a:off x="7409793" y="1445741"/>
+            <a:ext cx="4572000" cy="4524315"/>
+          </a:xfrm>
+          <a:prstGeom prst="rect">
+            <a:avLst/>
+          </a:prstGeom>
+          <a:noFill/>
+        </p:spPr>
+        <p:txBody>
+          <a:bodyPr wrap="square" rtlCol="0">
+            <a:spAutoFit/>
+          </a:bodyPr>
+          <a:lstStyle/>
+          <a:p>
+            <a:pPr marL="171450" indent="-171450">
+              <a:buFont typeface="Arial" panose="020B0604020202020204" pitchFamily="34" charset="0"/>
+              <a:buChar char="•"/>
+            </a:pPr>
+            <a:r>
+              <a:rPr lang="en-US" sz="1600" b="0" i="0" dirty="0">
+                <a:solidFill>
+                  <a:schemeClr val="bg1"/>
+                </a:solidFill>
+                <a:effectLst/>
+                <a:latin typeface="ZurichBT"/>
+              </a:rPr>
+              <a:t>“Consistent with our core values, HEP is always looking for ways to be a good steward of our environment and to give back to the communities where we live and work. The Dark Skies program not only helps us achieve this goal, but also makes the facility safer” </a:t>
+            </a:r>
+            <a:r>
+              <a:rPr lang="en-US" sz="1600" dirty="0">
+                <a:solidFill>
+                  <a:schemeClr val="bg1"/>
+                </a:solidFill>
+                <a:latin typeface="ZurichBT"/>
+              </a:rPr>
+              <a:t> --</a:t>
+            </a:r>
+            <a:r>
+              <a:rPr lang="en-US" sz="1600" b="0" i="1" dirty="0">
+                <a:solidFill>
+                  <a:schemeClr val="bg1"/>
+                </a:solidFill>
+                <a:effectLst/>
+                <a:latin typeface="ZurichBT"/>
+              </a:rPr>
+              <a:t>Jarrell </a:t>
+            </a:r>
+            <a:r>
+              <a:rPr lang="en-US" sz="1600" b="0" i="1" dirty="0" err="1">
+                <a:solidFill>
+                  <a:schemeClr val="bg1"/>
+                </a:solidFill>
+                <a:effectLst/>
+                <a:latin typeface="ZurichBT"/>
+              </a:rPr>
+              <a:t>Shircliff</a:t>
+            </a:r>
+            <a:r>
+              <a:rPr lang="en-US" sz="1600" b="0" i="1" dirty="0">
+                <a:solidFill>
+                  <a:schemeClr val="bg1"/>
+                </a:solidFill>
+                <a:effectLst/>
+                <a:latin typeface="ZurichBT"/>
+              </a:rPr>
+              <a:t>, Director of Operations for Howard Energy Partners</a:t>
+            </a:r>
+          </a:p>
+          <a:p>
+            <a:pPr marL="171450" indent="-171450">
+              <a:buFont typeface="Arial" panose="020B0604020202020204" pitchFamily="34" charset="0"/>
+              <a:buChar char="•"/>
+            </a:pPr>
+            <a:r>
+              <a:rPr lang="en-US" sz="1600" b="0" i="0" dirty="0">
+                <a:solidFill>
+                  <a:srgbClr val="000000"/>
+                </a:solidFill>
+                <a:effectLst/>
+                <a:latin typeface="linotype-sabon"/>
+              </a:rPr>
+              <a:t>“</a:t>
+            </a:r>
+          </a:p>
+          <a:p>
+            <a:pPr marL="171450" indent="-171450">
+              <a:buFont typeface="Arial" panose="020B0604020202020204" pitchFamily="34" charset="0"/>
+              <a:buChar char="•"/>
+            </a:pPr>
+            <a:r>
+              <a:rPr lang="en-US" sz="1600" b="0" i="0" dirty="0">
+                <a:solidFill>
+                  <a:schemeClr val="bg1"/>
+                </a:solidFill>
+                <a:effectLst/>
+                <a:latin typeface="linotype-sabon"/>
+              </a:rPr>
+              <a:t>“You get the right kind of lights and space them out in the right way and it’s actually better lit up. There’s fewer dark spots, you don’t have guys tripping over stuff”  -- </a:t>
+            </a:r>
+            <a:r>
+              <a:rPr lang="en-US" sz="1600" b="0" i="1" dirty="0">
+                <a:solidFill>
+                  <a:schemeClr val="bg1"/>
+                </a:solidFill>
+                <a:effectLst/>
+                <a:latin typeface="linotype-sabon"/>
+              </a:rPr>
+              <a:t>Chris Gafford, safety manager at Callon Petroleum</a:t>
+            </a:r>
+            <a:br>
+              <a:rPr lang="en-US" sz="1600" dirty="0">
+                <a:solidFill>
+                  <a:schemeClr val="bg1"/>
+                </a:solidFill>
+                <a:latin typeface="linotype-sabon"/>
+              </a:rPr>
+            </a:br>
+            <a:endParaRPr lang="en-US" sz="1600" b="0" i="0" dirty="0">
+              <a:solidFill>
+                <a:schemeClr val="bg1"/>
+              </a:solidFill>
+              <a:effectLst/>
+              <a:latin typeface="linotype-sabon"/>
+            </a:endParaRPr>
+          </a:p>
+          <a:p>
+            <a:pPr marL="171450" indent="-171450">
+              <a:buFont typeface="Arial" panose="020B0604020202020204" pitchFamily="34" charset="0"/>
+              <a:buChar char="•"/>
+            </a:pPr>
+            <a:r>
+              <a:rPr lang="en-US" sz="1600" b="0" dirty="0">
+                <a:solidFill>
+                  <a:schemeClr val="bg1"/>
+                </a:solidFill>
+                <a:effectLst/>
+                <a:latin typeface="brandon-grotesque"/>
+              </a:rPr>
+              <a:t>“The employees love it! One commented that he could actually see the equipment and where he was walking now” </a:t>
+            </a:r>
+            <a:r>
+              <a:rPr lang="en-US" sz="1600" b="0" i="1" dirty="0">
+                <a:solidFill>
+                  <a:schemeClr val="bg1"/>
+                </a:solidFill>
+                <a:effectLst/>
+                <a:latin typeface="brandon-grotesque"/>
+              </a:rPr>
+              <a:t>– Olivia McNamara, Manager HSE, WPX Energy</a:t>
+            </a:r>
+            <a:r>
+              <a:rPr lang="en-US" sz="1600" b="0" i="0" dirty="0">
+                <a:solidFill>
+                  <a:schemeClr val="bg1"/>
+                </a:solidFill>
+                <a:effectLst/>
+                <a:latin typeface="brandon-grotesque"/>
+              </a:rPr>
+              <a:t> </a:t>
+            </a:r>
+            <a:endParaRPr lang="en-US" sz="1600" dirty="0">
+              <a:solidFill>
+                <a:schemeClr val="bg1"/>
+              </a:solidFill>
+            </a:endParaRPr>
           </a:p>
         </p:txBody>
       </p:sp>

--- a/presentations/Revising the NSPA.pptx
+++ b/presentations/Revising the NSPA.pptx
@@ -7031,7 +7031,7 @@
                   <a:schemeClr val="bg1"/>
                 </a:solidFill>
               </a:rPr>
-              <a:t>revising the NM Night Sky Protection Act</a:t>
+              <a:t>updating the NM Night Sky Protection Act</a:t>
             </a:r>
           </a:p>
         </p:txBody>
@@ -7221,23 +7221,17 @@
                   <a:schemeClr val="bg1"/>
                 </a:solidFill>
               </a:rPr>
-              <a:t>Economic impact : </a:t>
-            </a:r>
-            <a:r>
-              <a:rPr lang="en-US" sz="2000" dirty="0" err="1">
-                <a:solidFill>
-                  <a:schemeClr val="bg1"/>
-                </a:solidFill>
-              </a:rPr>
-              <a:t>rourism</a:t>
-            </a:r>
+              <a:t>Economic impact : tourism, residential communities, small businesses</a:t>
+            </a:r>
+          </a:p>
+          <a:p>
             <a:r>
               <a:rPr lang="en-US" sz="2000" dirty="0">
                 <a:solidFill>
                   <a:schemeClr val="bg1"/>
                 </a:solidFill>
               </a:rPr>
-              <a:t>, residential communities, small businesses</a:t>
+              <a:t>Worker safety : responsible lighting can be safer than excess lighting</a:t>
             </a:r>
           </a:p>
           <a:p>
@@ -7247,7 +7241,7 @@
                   <a:schemeClr val="bg1"/>
                 </a:solidFill>
               </a:rPr>
-              <a:t>Worker safety : responsible lighting can be safer than excess lighting</a:t>
+              <a:t>Security : responsible lighting can provide greater security</a:t>
             </a:r>
           </a:p>
           <a:p>
@@ -7257,7 +7251,7 @@
                   <a:schemeClr val="bg1"/>
                 </a:solidFill>
               </a:rPr>
-              <a:t>Security : responsible lighting can provide greater security</a:t>
+              <a:t>National security : satellite tracking and monitoring</a:t>
             </a:r>
           </a:p>
           <a:p>
@@ -7267,7 +7261,7 @@
                   <a:schemeClr val="bg1"/>
                 </a:solidFill>
               </a:rPr>
-              <a:t>National security : satellite tracking and monitoring</a:t>
+              <a:t>Human health : sleep better!</a:t>
             </a:r>
           </a:p>
           <a:p>
@@ -7277,98 +7271,60 @@
                   <a:schemeClr val="bg1"/>
                 </a:solidFill>
               </a:rPr>
-              <a:t>Human health : sleep better!</a:t>
-            </a:r>
-          </a:p>
-          <a:p>
-            <a:pPr marL="285750" indent="-285750">
-              <a:buFont typeface="Arial" panose="020B0604020202020204" pitchFamily="34" charset="0"/>
-              <a:buChar char="•"/>
-            </a:pPr>
+              <a:t>Ecological benefits: pollinators and migratory birds are adversely affected by poor lighting</a:t>
+            </a:r>
+          </a:p>
+          <a:p>
             <a:r>
               <a:rPr lang="en-US" sz="2000" dirty="0">
                 <a:solidFill>
                   <a:schemeClr val="bg1"/>
                 </a:solidFill>
               </a:rPr>
-              <a:t>Ecological benefits: pollinators and migratory birds are adversely affected by poor lighting</a:t>
-            </a:r>
-          </a:p>
-          <a:p>
-            <a:pPr marL="285750" indent="-285750">
-              <a:buFont typeface="Arial" panose="020B0604020202020204" pitchFamily="34" charset="0"/>
-              <a:buChar char="•"/>
-            </a:pPr>
+              <a:t>Energy and money savings : less wasted light, less wasted energy, more money!</a:t>
+            </a:r>
+          </a:p>
+          <a:p>
             <a:r>
               <a:rPr lang="en-US" sz="2000" dirty="0">
                 <a:solidFill>
                   <a:schemeClr val="bg1"/>
                 </a:solidFill>
               </a:rPr>
-              <a:t>Energy and money savings </a:t>
-            </a:r>
-          </a:p>
-          <a:p>
-            <a:pPr marL="285750" indent="-285750">
-              <a:buFont typeface="Arial" panose="020B0604020202020204" pitchFamily="34" charset="0"/>
-              <a:buChar char="•"/>
-            </a:pPr>
+              <a:t>Respecting property rights : property owners have right to protect against light trespass</a:t>
+            </a:r>
+          </a:p>
+          <a:p>
             <a:r>
               <a:rPr lang="en-US" sz="2000" dirty="0">
                 <a:solidFill>
                   <a:schemeClr val="bg1"/>
                 </a:solidFill>
               </a:rPr>
-              <a:t>Respecting property rights : property owners have right to protect against light trespass</a:t>
-            </a:r>
-          </a:p>
-          <a:p>
-            <a:pPr marL="285750" indent="-285750">
-              <a:buFont typeface="Arial" panose="020B0604020202020204" pitchFamily="34" charset="0"/>
-              <a:buChar char="•"/>
-            </a:pPr>
+              <a:t>Human appreciation of our place in the Universe</a:t>
+            </a:r>
+          </a:p>
+          <a:p>
             <a:r>
               <a:rPr lang="en-US" sz="2000" dirty="0">
                 <a:solidFill>
                   <a:schemeClr val="bg1"/>
                 </a:solidFill>
               </a:rPr>
-              <a:t>Human appreciation of our place in the Universe</a:t>
-            </a:r>
-          </a:p>
-          <a:p>
-            <a:pPr marL="285750" indent="-285750">
-              <a:buFont typeface="Arial" panose="020B0604020202020204" pitchFamily="34" charset="0"/>
-              <a:buChar char="•"/>
-            </a:pPr>
+              <a:t>Cultural resource : multiple cultures have connections with the night sky</a:t>
+            </a:r>
+          </a:p>
+          <a:p>
             <a:r>
               <a:rPr lang="en-US" sz="2000" dirty="0">
                 <a:solidFill>
                   <a:schemeClr val="bg1"/>
                 </a:solidFill>
               </a:rPr>
-              <a:t>Cultural resource : multiple cultures</a:t>
-            </a:r>
-          </a:p>
-          <a:p>
-            <a:pPr marL="285750" indent="-285750">
-              <a:buFont typeface="Arial" panose="020B0604020202020204" pitchFamily="34" charset="0"/>
-              <a:buChar char="•"/>
-            </a:pPr>
-            <a:r>
-              <a:rPr lang="en-US" sz="2000" dirty="0">
-                <a:solidFill>
-                  <a:schemeClr val="bg1"/>
-                </a:solidFill>
-              </a:rPr>
               <a:t>Scientific study : all three research universities have programs, with several major observatories</a:t>
             </a:r>
           </a:p>
           <a:p>
-            <a:pPr marL="285750" indent="-285750">
-              <a:buFont typeface="Arial" panose="020B0604020202020204" pitchFamily="34" charset="0"/>
-              <a:buChar char="•"/>
-            </a:pPr>
             <a:r>
               <a:rPr lang="en-US" sz="2000" dirty="0">
                 <a:solidFill>
@@ -7633,7 +7589,7 @@
                   <a:schemeClr val="bg1"/>
                 </a:solidFill>
               </a:rPr>
-              <a:t>Resources : </a:t>
+              <a:t>Resources </a:t>
             </a:r>
             <a:r>
               <a:rPr lang="en-US" dirty="0">
@@ -7648,7 +7604,7 @@
                   </a:extLst>
                 </a:hlinkClick>
               </a:rPr>
-              <a:t>nmdarksky.org  </a:t>
+              <a:t>: nmdarksky.org  </a:t>
             </a:r>
             <a:r>
               <a:rPr lang="en-US" dirty="0">
@@ -8298,7 +8254,7 @@
                   <a:schemeClr val="bg1"/>
                 </a:solidFill>
               </a:rPr>
-              <a:t>New technology</a:t>
+              <a:t>New technology : LEDs!</a:t>
             </a:r>
           </a:p>
           <a:p>
@@ -8309,7 +8265,7 @@
                   <a:schemeClr val="bg1"/>
                 </a:solidFill>
               </a:rPr>
-              <a:t>New appreciation of the importance of natural night skies</a:t>
+              <a:t>More appreciation of the importance of natural night skies</a:t>
             </a:r>
           </a:p>
           <a:p>
@@ -8320,7 +8276,7 @@
                   <a:schemeClr val="bg1"/>
                 </a:solidFill>
               </a:rPr>
-              <a:t>New appreciation of the value of responsible lighting</a:t>
+              <a:t>More appreciation of the value of responsible lighting</a:t>
             </a:r>
           </a:p>
           <a:p>
@@ -8331,7 +8287,7 @@
                   <a:schemeClr val="bg1"/>
                 </a:solidFill>
               </a:rPr>
-              <a:t>New appreciation of the value of </a:t>
+              <a:t> More appreciation of the value of </a:t>
             </a:r>
             <a:r>
               <a:rPr lang="en-US" dirty="0" err="1">
@@ -8384,7 +8340,9 @@
     <p:bg>
       <p:bgPr>
         <a:solidFill>
-          <a:schemeClr val="tx1"/>
+          <a:schemeClr val="bg1">
+            <a:lumMod val="75000"/>
+          </a:schemeClr>
         </a:solidFill>
         <a:effectLst/>
       </p:bgPr>
@@ -8427,7 +8385,7 @@
         </p:blipFill>
         <p:spPr>
           <a:xfrm>
-            <a:off x="838200" y="1421028"/>
+            <a:off x="253315" y="829358"/>
             <a:ext cx="4914014" cy="4871550"/>
           </a:xfrm>
         </p:spPr>
@@ -8454,7 +8412,7 @@
         </p:blipFill>
         <p:spPr>
           <a:xfrm>
-            <a:off x="5839329" y="1427405"/>
+            <a:off x="5279932" y="829358"/>
             <a:ext cx="5163986" cy="4871550"/>
           </a:xfrm>
           <a:prstGeom prst="rect">
@@ -8476,8 +8434,8 @@
         </p:nvSpPr>
         <p:spPr>
           <a:xfrm>
-            <a:off x="1803846" y="1051696"/>
-            <a:ext cx="2953265" cy="369332"/>
+            <a:off x="469896" y="395752"/>
+            <a:ext cx="3618009" cy="369332"/>
           </a:xfrm>
           <a:prstGeom prst="rect">
             <a:avLst/>
@@ -8496,7 +8454,7 @@
                   <a:schemeClr val="bg1"/>
                 </a:solidFill>
               </a:rPr>
-              <a:t>2006 light pollution</a:t>
+              <a:t>2006 artificial light at night (ALAN)</a:t>
             </a:r>
           </a:p>
         </p:txBody>
@@ -8515,8 +8473,8 @@
         </p:nvSpPr>
         <p:spPr>
           <a:xfrm>
-            <a:off x="6597691" y="1051696"/>
-            <a:ext cx="2681416" cy="646331"/>
+            <a:off x="5461828" y="441918"/>
+            <a:ext cx="2953264" cy="646331"/>
           </a:xfrm>
           <a:prstGeom prst="rect">
             <a:avLst/>
@@ -8535,7 +8493,7 @@
                   <a:schemeClr val="bg1"/>
                 </a:solidFill>
               </a:rPr>
-              <a:t>2022  Light pollution</a:t>
+              <a:t>2022  Artificial light at night</a:t>
             </a:r>
           </a:p>
           <a:p>
@@ -8557,7 +8515,7 @@
         </p:nvSpPr>
         <p:spPr>
           <a:xfrm>
-            <a:off x="7031421" y="6474941"/>
+            <a:off x="350923" y="6028642"/>
             <a:ext cx="4322379" cy="369332"/>
           </a:xfrm>
           <a:prstGeom prst="rect">
@@ -8594,6 +8552,75 @@
                 </a:solidFill>
               </a:rPr>
               <a:t>/astronomy</a:t>
+            </a:r>
+          </a:p>
+        </p:txBody>
+      </p:sp>
+      <p:pic>
+        <p:nvPicPr>
+          <p:cNvPr id="2" name="Content Placeholder 4" descr="A map with different colored spots&#10;&#10;Description automatically generated">
+            <a:extLst>
+              <a:ext uri="{FF2B5EF4-FFF2-40B4-BE49-F238E27FC236}">
+                <a16:creationId xmlns:a16="http://schemas.microsoft.com/office/drawing/2014/main" id="{54E64AA0-8B8B-0F61-907E-2CD7337F4A2A}"/>
+              </a:ext>
+            </a:extLst>
+          </p:cNvPr>
+          <p:cNvPicPr>
+            <a:picLocks noChangeAspect="1"/>
+          </p:cNvPicPr>
+          <p:nvPr/>
+        </p:nvPicPr>
+        <p:blipFill>
+          <a:blip r:embed="rId4"/>
+          <a:stretch>
+            <a:fillRect/>
+          </a:stretch>
+        </p:blipFill>
+        <p:spPr>
+          <a:xfrm>
+            <a:off x="10163174" y="271911"/>
+            <a:ext cx="2028826" cy="2328041"/>
+          </a:xfrm>
+          <a:prstGeom prst="rect">
+            <a:avLst/>
+          </a:prstGeom>
+        </p:spPr>
+      </p:pic>
+      <p:sp>
+        <p:nvSpPr>
+          <p:cNvPr id="3" name="TextBox 2">
+            <a:extLst>
+              <a:ext uri="{FF2B5EF4-FFF2-40B4-BE49-F238E27FC236}">
+                <a16:creationId xmlns:a16="http://schemas.microsoft.com/office/drawing/2014/main" id="{711EAAF3-44D8-48C0-FF5A-3C6DA3D8ED65}"/>
+              </a:ext>
+            </a:extLst>
+          </p:cNvPr>
+          <p:cNvSpPr txBox="1"/>
+          <p:nvPr/>
+        </p:nvSpPr>
+        <p:spPr>
+          <a:xfrm>
+            <a:off x="10282553" y="-53122"/>
+            <a:ext cx="1636920" cy="369332"/>
+          </a:xfrm>
+          <a:prstGeom prst="rect">
+            <a:avLst/>
+          </a:prstGeom>
+          <a:noFill/>
+        </p:spPr>
+        <p:txBody>
+          <a:bodyPr wrap="square" rtlCol="0">
+            <a:spAutoFit/>
+          </a:bodyPr>
+          <a:lstStyle/>
+          <a:p>
+            <a:r>
+              <a:rPr lang="en-US" dirty="0">
+                <a:solidFill>
+                  <a:schemeClr val="bg1"/>
+                </a:solidFill>
+              </a:rPr>
+              <a:t>ALAN change</a:t>
             </a:r>
           </a:p>
         </p:txBody>
@@ -9220,6 +9247,59 @@
                 </a:solidFill>
               </a:rPr>
               <a:t>We want to address concerns and enlist support!</a:t>
+            </a:r>
+          </a:p>
+          <a:p>
+            <a:r>
+              <a:rPr lang="en-US" dirty="0">
+                <a:solidFill>
+                  <a:schemeClr val="bg1"/>
+                </a:solidFill>
+              </a:rPr>
+              <a:t>State legislation is only one part of enacting meaningful change</a:t>
+            </a:r>
+          </a:p>
+          <a:p>
+            <a:pPr lvl="1"/>
+            <a:r>
+              <a:rPr lang="en-US" dirty="0">
+                <a:solidFill>
+                  <a:schemeClr val="bg1"/>
+                </a:solidFill>
+              </a:rPr>
+              <a:t>Local legislation can be more specific</a:t>
+            </a:r>
+          </a:p>
+          <a:p>
+            <a:pPr lvl="1"/>
+            <a:r>
+              <a:rPr lang="en-US" dirty="0">
+                <a:solidFill>
+                  <a:schemeClr val="bg1"/>
+                </a:solidFill>
+              </a:rPr>
+              <a:t>Education about positive effects of responsible lighting is critical</a:t>
+            </a:r>
+          </a:p>
+          <a:p>
+            <a:pPr lvl="1"/>
+            <a:r>
+              <a:rPr lang="en-US" dirty="0">
+                <a:solidFill>
+                  <a:schemeClr val="bg1"/>
+                </a:solidFill>
+              </a:rPr>
+              <a:t>Cultural shift is needed</a:t>
+            </a:r>
+          </a:p>
+          <a:p>
+            <a:r>
+              <a:rPr lang="en-US" dirty="0">
+                <a:solidFill>
+                  <a:schemeClr val="bg1"/>
+                </a:solidFill>
+              </a:rPr>
+              <a:t>Demonstration of broad-based support at the state level can be very impactful</a:t>
             </a:r>
           </a:p>
         </p:txBody>
